--- a/Traffic_Sign_Recog_Presentation.pptx
+++ b/Traffic_Sign_Recog_Presentation.pptx
@@ -146,8 +146,9 @@
     <p1510:client id="{111529C5-9AE4-49B4-891D-98D89A3516AC}" v="18" dt="2022-07-19T17:39:54.579"/>
     <p1510:client id="{1F5964BC-AFF2-1DF6-8F6F-7EA0738A1C09}" v="64" dt="2022-07-20T14:24:12.086"/>
     <p1510:client id="{21C96152-6D8E-2011-DCB4-1D895DD04F4E}" v="563" dt="2022-07-20T11:26:59.543"/>
-    <p1510:client id="{3B853770-600C-792F-B71A-EFE31BDB012D}" v="9" dt="2022-07-20T15:11:42.786"/>
-    <p1510:client id="{62C691D3-16AB-A34A-9EE5-49252109E8E6}" v="1096" dt="2022-07-20T15:56:13.539"/>
+    <p1510:client id="{3B853770-600C-792F-B71A-EFE31BDB012D}" v="10" dt="2022-07-20T16:05:41.180"/>
+    <p1510:client id="{62C691D3-16AB-A34A-9EE5-49252109E8E6}" v="1095" dt="2022-07-20T12:27:12.038"/>
+    <p1510:client id="{A0063F94-5691-7FB7-6118-A65DCA6BFC98}" v="5" dt="2022-07-21T07:13:34.890"/>
     <p1510:client id="{F9F0B59C-1E8F-C3CB-2078-AC162DC18E3C}" v="5" dt="2022-07-20T13:27:52.379"/>
   </p1510:revLst>
 </p1510:revInfo>
@@ -235,7 +236,7 @@
           <a:p>
             <a:fld id="{7884CAD9-FB4E-4B49-B42C-D9D4AD17C5BD}" type="datetimeFigureOut">
               <a:rPr lang="en-US" smtClean="0"/>
-              <a:t>7/19/22</a:t>
+              <a:t>7/21/2022</a:t>
             </a:fld>
             <a:endParaRPr lang="en-US"/>
           </a:p>
@@ -736,7 +737,7 @@
           <a:p>
             <a:fld id="{2B44BD07-5E53-DD49-8058-1B9BF4AC608C}" type="datetimeFigureOut">
               <a:rPr lang="en-US" smtClean="0"/>
-              <a:t>7/19/22</a:t>
+              <a:t>7/21/2022</a:t>
             </a:fld>
             <a:endParaRPr lang="en-US"/>
           </a:p>
@@ -936,7 +937,7 @@
           <a:p>
             <a:fld id="{2B44BD07-5E53-DD49-8058-1B9BF4AC608C}" type="datetimeFigureOut">
               <a:rPr lang="en-US" smtClean="0"/>
-              <a:t>7/19/22</a:t>
+              <a:t>7/21/2022</a:t>
             </a:fld>
             <a:endParaRPr lang="en-US"/>
           </a:p>
@@ -1146,7 +1147,7 @@
           <a:p>
             <a:fld id="{2B44BD07-5E53-DD49-8058-1B9BF4AC608C}" type="datetimeFigureOut">
               <a:rPr lang="en-US" smtClean="0"/>
-              <a:t>7/19/22</a:t>
+              <a:t>7/21/2022</a:t>
             </a:fld>
             <a:endParaRPr lang="en-US"/>
           </a:p>
@@ -1803,7 +1804,7 @@
           <a:p>
             <a:fld id="{B4F2AB4E-F240-2644-9DF0-3F5E0D661364}" type="datetime1">
               <a:rPr lang="de-DE" smtClean="0"/>
-              <a:t>19.07.22</a:t>
+              <a:t>21.07.2022</a:t>
             </a:fld>
             <a:endParaRPr lang="de-DE"/>
           </a:p>
@@ -2337,7 +2338,7 @@
           <a:p>
             <a:fld id="{F10EDF90-6C91-9C49-9EDC-F791C9CEFB17}" type="datetime1">
               <a:rPr lang="de-DE" smtClean="0"/>
-              <a:t>19.07.22</a:t>
+              <a:t>21.07.2022</a:t>
             </a:fld>
             <a:endParaRPr lang="de-DE"/>
           </a:p>
@@ -2553,7 +2554,7 @@
           <a:p>
             <a:fld id="{2B44BD07-5E53-DD49-8058-1B9BF4AC608C}" type="datetimeFigureOut">
               <a:rPr lang="en-US" smtClean="0"/>
-              <a:t>7/19/22</a:t>
+              <a:t>7/21/2022</a:t>
             </a:fld>
             <a:endParaRPr lang="en-US"/>
           </a:p>
@@ -2829,7 +2830,7 @@
           <a:p>
             <a:fld id="{2B44BD07-5E53-DD49-8058-1B9BF4AC608C}" type="datetimeFigureOut">
               <a:rPr lang="en-US" smtClean="0"/>
-              <a:t>7/19/22</a:t>
+              <a:t>7/21/2022</a:t>
             </a:fld>
             <a:endParaRPr lang="en-US"/>
           </a:p>
@@ -3097,7 +3098,7 @@
           <a:p>
             <a:fld id="{2B44BD07-5E53-DD49-8058-1B9BF4AC608C}" type="datetimeFigureOut">
               <a:rPr lang="en-US" smtClean="0"/>
-              <a:t>7/19/22</a:t>
+              <a:t>7/21/2022</a:t>
             </a:fld>
             <a:endParaRPr lang="en-US"/>
           </a:p>
@@ -3512,7 +3513,7 @@
           <a:p>
             <a:fld id="{2B44BD07-5E53-DD49-8058-1B9BF4AC608C}" type="datetimeFigureOut">
               <a:rPr lang="en-US" smtClean="0"/>
-              <a:t>7/19/22</a:t>
+              <a:t>7/21/2022</a:t>
             </a:fld>
             <a:endParaRPr lang="en-US"/>
           </a:p>
@@ -3654,7 +3655,7 @@
           <a:p>
             <a:fld id="{2B44BD07-5E53-DD49-8058-1B9BF4AC608C}" type="datetimeFigureOut">
               <a:rPr lang="en-US" smtClean="0"/>
-              <a:t>7/19/22</a:t>
+              <a:t>7/21/2022</a:t>
             </a:fld>
             <a:endParaRPr lang="en-US"/>
           </a:p>
@@ -3767,7 +3768,7 @@
           <a:p>
             <a:fld id="{2B44BD07-5E53-DD49-8058-1B9BF4AC608C}" type="datetimeFigureOut">
               <a:rPr lang="en-US" smtClean="0"/>
-              <a:t>7/19/22</a:t>
+              <a:t>7/21/2022</a:t>
             </a:fld>
             <a:endParaRPr lang="en-US"/>
           </a:p>
@@ -4080,7 +4081,7 @@
           <a:p>
             <a:fld id="{2B44BD07-5E53-DD49-8058-1B9BF4AC608C}" type="datetimeFigureOut">
               <a:rPr lang="en-US" smtClean="0"/>
-              <a:t>7/19/22</a:t>
+              <a:t>7/21/2022</a:t>
             </a:fld>
             <a:endParaRPr lang="en-US"/>
           </a:p>
@@ -4369,7 +4370,7 @@
           <a:p>
             <a:fld id="{2B44BD07-5E53-DD49-8058-1B9BF4AC608C}" type="datetimeFigureOut">
               <a:rPr lang="en-US" smtClean="0"/>
-              <a:t>7/19/22</a:t>
+              <a:t>7/21/2022</a:t>
             </a:fld>
             <a:endParaRPr lang="en-US"/>
           </a:p>
@@ -4612,7 +4613,7 @@
           <a:p>
             <a:fld id="{2B44BD07-5E53-DD49-8058-1B9BF4AC608C}" type="datetimeFigureOut">
               <a:rPr lang="en-US" smtClean="0"/>
-              <a:t>7/19/22</a:t>
+              <a:t>7/21/2022</a:t>
             </a:fld>
             <a:endParaRPr lang="en-US"/>
           </a:p>
@@ -5235,21 +5236,21 @@
           <a:lstStyle/>
           <a:p>
             <a:r>
-              <a:rPr lang="en-US" sz="1800" dirty="0"/>
+              <a:rPr lang="en-US" sz="1800"/>
               <a:t>Master of Science</a:t>
             </a:r>
           </a:p>
           <a:p>
             <a:r>
-              <a:rPr lang="en-US" sz="1800" dirty="0"/>
+              <a:rPr lang="en-US" sz="1800"/>
               <a:t>Applied Computer Science</a:t>
             </a:r>
           </a:p>
           <a:p>
-            <a:endParaRPr lang="en-US" sz="1800" dirty="0"/>
-          </a:p>
-          <a:p>
-            <a:endParaRPr lang="en-US" sz="1800" b="0" dirty="0"/>
+            <a:endParaRPr lang="en-US" sz="1800"/>
+          </a:p>
+          <a:p>
+            <a:endParaRPr lang="en-US" sz="1800" b="0"/>
           </a:p>
         </p:txBody>
       </p:sp>
@@ -5280,7 +5281,7 @@
           <a:lstStyle/>
           <a:p>
             <a:r>
-              <a:rPr lang="en-US" dirty="0"/>
+              <a:rPr lang="en-US"/>
               <a:t>Applied Artificial Intelligence</a:t>
             </a:r>
           </a:p>
@@ -5309,7 +5310,7 @@
           </a:xfrm>
         </p:spPr>
         <p:txBody>
-          <a:bodyPr>
+          <a:bodyPr vert="horz" lIns="91440" tIns="45720" rIns="91440" bIns="45720" rtlCol="0" anchor="t">
             <a:normAutofit fontScale="85000" lnSpcReduction="20000"/>
           </a:bodyPr>
           <a:lstStyle/>
@@ -5351,15 +5352,7 @@
             </a:br>
             <a:r>
               <a:rPr lang="de-DE" dirty="0"/>
-              <a:t>Dr. Simon Ziegler, Prof. Dr. </a:t>
-            </a:r>
-            <a:r>
-              <a:rPr lang="de-DE" dirty="0" err="1"/>
-              <a:t>ing</a:t>
-            </a:r>
-            <a:r>
-              <a:rPr lang="de-DE" dirty="0"/>
-              <a:t> Gerd </a:t>
+              <a:t>Dr. Simon Ziegler, Prof. Dr. Gerd </a:t>
             </a:r>
             <a:r>
               <a:rPr lang="de-DE" dirty="0" err="1"/>
@@ -6785,7 +6778,7 @@
           <a:p>
             <a:fld id="{F10EDF90-6C91-9C49-9EDC-F791C9CEFB17}" type="datetime1">
               <a:rPr lang="de-DE" smtClean="0"/>
-              <a:t>20.07.22</a:t>
+              <a:t>21.07.2022</a:t>
             </a:fld>
             <a:endParaRPr lang="de-DE"/>
           </a:p>
@@ -6877,64 +6870,64 @@
           <a:lstStyle/>
           <a:p>
             <a:r>
-              <a:rPr lang="en-IN" sz="2400" dirty="0">
+              <a:rPr lang="en-IN" sz="2400">
                 <a:ea typeface="+mn-lt"/>
                 <a:cs typeface="+mn-lt"/>
               </a:rPr>
               <a:t>Matplotlib is a plotting library for Python. Function “</a:t>
             </a:r>
             <a:r>
-              <a:rPr lang="en-IN" sz="2400" dirty="0" err="1">
+              <a:rPr lang="en-IN" sz="2400" err="1">
                 <a:ea typeface="+mn-lt"/>
                 <a:cs typeface="+mn-lt"/>
               </a:rPr>
               <a:t>pyplot</a:t>
             </a:r>
             <a:r>
-              <a:rPr lang="en-IN" sz="2400" dirty="0">
+              <a:rPr lang="en-IN" sz="2400">
                 <a:ea typeface="+mn-lt"/>
                 <a:cs typeface="+mn-lt"/>
               </a:rPr>
               <a:t>” provides an implicit way of plotting. It also displays figures on the screen. </a:t>
             </a:r>
-            <a:endParaRPr lang="en-US" sz="2400" dirty="0">
+            <a:endParaRPr lang="en-US" sz="2400">
               <a:ea typeface="+mn-lt"/>
               <a:cs typeface="+mn-lt"/>
             </a:endParaRPr>
           </a:p>
           <a:p>
-            <a:endParaRPr lang="en-US" sz="2400" dirty="0">
+            <a:endParaRPr lang="en-US" sz="2400">
               <a:cs typeface="Calibri"/>
             </a:endParaRPr>
           </a:p>
           <a:p>
             <a:r>
-              <a:rPr lang="en-IN" sz="2400" dirty="0">
+              <a:rPr lang="en-IN" sz="2400">
                 <a:ea typeface="+mn-lt"/>
                 <a:cs typeface="+mn-lt"/>
               </a:rPr>
               <a:t>In the project, </a:t>
             </a:r>
             <a:r>
-              <a:rPr lang="en-IN" sz="2400" dirty="0" err="1">
+              <a:rPr lang="en-IN" sz="2400" err="1">
                 <a:ea typeface="+mn-lt"/>
                 <a:cs typeface="+mn-lt"/>
               </a:rPr>
               <a:t>Matplotlib.pyplot</a:t>
             </a:r>
             <a:r>
-              <a:rPr lang="en-IN" sz="2400" dirty="0">
+              <a:rPr lang="en-IN" sz="2400">
                 <a:ea typeface="+mn-lt"/>
                 <a:cs typeface="+mn-lt"/>
               </a:rPr>
               <a:t> is used to: </a:t>
             </a:r>
-            <a:endParaRPr lang="en-IN" sz="2400" dirty="0">
+            <a:endParaRPr lang="en-IN" sz="2400">
               <a:cs typeface="Calibri"/>
             </a:endParaRPr>
           </a:p>
           <a:p>
-            <a:endParaRPr lang="en-IN" sz="2400" dirty="0">
+            <a:endParaRPr lang="en-IN" sz="2400">
               <a:ea typeface="+mn-lt"/>
               <a:cs typeface="+mn-lt"/>
             </a:endParaRPr>
@@ -6945,49 +6938,35 @@
               <a:buChar char="o"/>
             </a:pPr>
             <a:r>
-              <a:rPr lang="en-IN" sz="2400" dirty="0">
-                <a:ea typeface="+mn-lt"/>
-                <a:cs typeface="+mn-lt"/>
-              </a:rPr>
-              <a:t>Plot a graph for stored accuracy data and </a:t>
-            </a:r>
-            <a:r>
               <a:rPr lang="en-IN" sz="2400">
                 <a:ea typeface="+mn-lt"/>
                 <a:cs typeface="+mn-lt"/>
               </a:rPr>
-              <a:t>validation </a:t>
-            </a:r>
-            <a:r>
-              <a:rPr lang="en-IN" sz="2400" dirty="0">
-                <a:ea typeface="+mn-lt"/>
-                <a:cs typeface="+mn-lt"/>
-              </a:rPr>
-              <a:t>accuracy data to their respective epoch. Accuracy and value accuracy data are taken from one of </a:t>
-            </a:r>
-            <a:r>
-              <a:rPr lang="en-IN" sz="2400" dirty="0" err="1">
+              <a:t>Plot a graph for stored accuracy data and validation accuracy data to their respective epoch. Accuracy and value accuracy data are taken from one of </a:t>
+            </a:r>
+            <a:r>
+              <a:rPr lang="en-IN" sz="2400" err="1">
                 <a:ea typeface="+mn-lt"/>
                 <a:cs typeface="+mn-lt"/>
               </a:rPr>
               <a:t>keras</a:t>
             </a:r>
             <a:r>
-              <a:rPr lang="en-IN" sz="2400" dirty="0">
+              <a:rPr lang="en-IN" sz="2400">
                 <a:ea typeface="+mn-lt"/>
                 <a:cs typeface="+mn-lt"/>
               </a:rPr>
               <a:t> </a:t>
             </a:r>
             <a:r>
-              <a:rPr lang="en-IN" sz="2400" dirty="0" err="1">
+              <a:rPr lang="en-IN" sz="2400" err="1">
                 <a:ea typeface="+mn-lt"/>
                 <a:cs typeface="+mn-lt"/>
               </a:rPr>
               <a:t>callback</a:t>
             </a:r>
             <a:r>
-              <a:rPr lang="en-IN" sz="2400" dirty="0">
+              <a:rPr lang="en-IN" sz="2400">
                 <a:ea typeface="+mn-lt"/>
                 <a:cs typeface="+mn-lt"/>
               </a:rPr>
@@ -7000,27 +6979,13 @@
               <a:buChar char="o"/>
             </a:pPr>
             <a:r>
-              <a:rPr lang="en-IN" sz="2400" dirty="0">
-                <a:ea typeface="+mn-lt"/>
-                <a:cs typeface="+mn-lt"/>
-              </a:rPr>
-              <a:t>Plot another graph for stored accuracy loss and </a:t>
-            </a:r>
-            <a:r>
               <a:rPr lang="en-IN" sz="2400">
                 <a:ea typeface="+mn-lt"/>
                 <a:cs typeface="+mn-lt"/>
               </a:rPr>
-              <a:t>validation</a:t>
-            </a:r>
-            <a:r>
-              <a:rPr lang="en-IN" sz="2400" dirty="0">
-                <a:ea typeface="+mn-lt"/>
-                <a:cs typeface="+mn-lt"/>
-              </a:rPr>
-              <a:t> accuracy loss to their respective epoch. Loss data is also taken from the history object</a:t>
-            </a:r>
-            <a:endParaRPr lang="en-IN" dirty="0">
+              <a:t>Plot another graph for stored accuracy loss and validation accuracy loss to their respective epoch. Loss data is also taken from the history object</a:t>
+            </a:r>
+            <a:endParaRPr lang="en-IN">
               <a:cs typeface="Calibri" panose="020F0502020204030204"/>
             </a:endParaRPr>
           </a:p>
@@ -7029,7 +6994,7 @@
               <a:buFont typeface="Courier New" panose="020B0604020202020204" pitchFamily="34" charset="0"/>
               <a:buChar char="o"/>
             </a:pPr>
-            <a:endParaRPr lang="en-IN" sz="2400" dirty="0">
+            <a:endParaRPr lang="en-IN" sz="2400">
               <a:cs typeface="Calibri" panose="020F0502020204030204"/>
             </a:endParaRPr>
           </a:p>
@@ -7038,7 +7003,7 @@
               <a:buFont typeface="Arial" panose="020B0604020202020204" pitchFamily="34" charset="0"/>
               <a:buChar char="•"/>
             </a:pPr>
-            <a:endParaRPr lang="en-IN" dirty="0">
+            <a:endParaRPr lang="en-IN">
               <a:cs typeface="Calibri"/>
             </a:endParaRPr>
           </a:p>
@@ -7133,7 +7098,7 @@
           <a:p>
             <a:fld id="{F10EDF90-6C91-9C49-9EDC-F791C9CEFB17}" type="datetime1">
               <a:rPr lang="de-DE" smtClean="0"/>
-              <a:t>20.07.22</a:t>
+              <a:t>21.07.2022</a:t>
             </a:fld>
             <a:endParaRPr lang="de-DE"/>
           </a:p>
@@ -7397,7 +7362,7 @@
           <a:p>
             <a:fld id="{F10EDF90-6C91-9C49-9EDC-F791C9CEFB17}" type="datetime1">
               <a:rPr lang="de-DE" smtClean="0"/>
-              <a:t>20.07.22</a:t>
+              <a:t>21.07.2022</a:t>
             </a:fld>
             <a:endParaRPr lang="de-DE"/>
           </a:p>
@@ -7684,7 +7649,7 @@
           <a:p>
             <a:fld id="{F10EDF90-6C91-9C49-9EDC-F791C9CEFB17}" type="datetime1">
               <a:rPr lang="de-DE" smtClean="0"/>
-              <a:t>20.07.22</a:t>
+              <a:t>21.07.2022</a:t>
             </a:fld>
             <a:endParaRPr lang="de-DE"/>
           </a:p>
@@ -7994,7 +7959,7 @@
           <a:p>
             <a:fld id="{F10EDF90-6C91-9C49-9EDC-F791C9CEFB17}" type="datetime1">
               <a:rPr lang="de-DE" smtClean="0"/>
-              <a:t>19.07.22</a:t>
+              <a:t>21.07.2022</a:t>
             </a:fld>
             <a:endParaRPr lang="de-DE"/>
           </a:p>
@@ -8138,7 +8103,7 @@
               <a:buFont typeface="Arial" panose="020B0604020202020204" pitchFamily="34" charset="0"/>
               <a:buChar char="•"/>
             </a:pPr>
-            <a:endParaRPr lang="en-IN" dirty="0"/>
+            <a:endParaRPr lang="en-IN"/>
           </a:p>
         </p:txBody>
       </p:sp>
@@ -8195,7 +8160,7 @@
           <a:p>
             <a:fld id="{F10EDF90-6C91-9C49-9EDC-F791C9CEFB17}" type="datetime1">
               <a:rPr lang="de-DE" smtClean="0"/>
-              <a:t>20.07.22</a:t>
+              <a:t>21.07.2022</a:t>
             </a:fld>
             <a:endParaRPr lang="de-DE"/>
           </a:p>
@@ -8435,7 +8400,7 @@
               <a:t>Dataset</a:t>
             </a:r>
             <a:br>
-              <a:rPr lang="de-DE" dirty="0"/>
+              <a:rPr lang="de-DE"/>
             </a:br>
             <a:endParaRPr lang="en-GB">
               <a:cs typeface="Calibri Light"/>
@@ -8465,10 +8430,10 @@
           <a:lstStyle/>
           <a:p>
             <a:r>
-              <a:rPr lang="de-DE" dirty="0"/>
+              <a:rPr lang="de-DE"/>
               <a:t>04</a:t>
             </a:r>
-            <a:endParaRPr lang="en-GB" dirty="0"/>
+            <a:endParaRPr lang="en-GB"/>
           </a:p>
         </p:txBody>
       </p:sp>
@@ -8495,7 +8460,7 @@
           <a:p>
             <a:fld id="{B4F2AB4E-F240-2644-9DF0-3F5E0D661364}" type="datetime1">
               <a:rPr lang="de-DE" smtClean="0"/>
-              <a:t>20.07.22</a:t>
+              <a:t>21.07.2022</a:t>
             </a:fld>
             <a:endParaRPr lang="de-DE"/>
           </a:p>
@@ -8611,12 +8576,12 @@
           <a:lstStyle/>
           <a:p>
             <a:r>
-              <a:rPr lang="en-US">
+              <a:rPr lang="en-US" b="1">
                 <a:cs typeface="Calibri Light"/>
               </a:rPr>
               <a:t>Dataset</a:t>
             </a:r>
-            <a:endParaRPr lang="en-US"/>
+            <a:endParaRPr lang="en-US" b="1"/>
           </a:p>
         </p:txBody>
       </p:sp>
@@ -8799,7 +8764,7 @@
           <a:p>
             <a:fld id="{B4F2AB4E-F240-2644-9DF0-3F5E0D661364}" type="datetime1">
               <a:rPr lang="de-DE" smtClean="0"/>
-              <a:t>20.07.22</a:t>
+              <a:t>21.07.2022</a:t>
             </a:fld>
             <a:endParaRPr lang="de-DE"/>
           </a:p>
@@ -8954,7 +8919,7 @@
           <a:p>
             <a:fld id="{F10EDF90-6C91-9C49-9EDC-F791C9CEFB17}" type="datetime1">
               <a:rPr lang="de-DE" smtClean="0"/>
-              <a:t>20.07.22</a:t>
+              <a:t>21.07.2022</a:t>
             </a:fld>
             <a:endParaRPr lang="de-DE"/>
           </a:p>
@@ -9051,33 +9016,33 @@
           <a:p>
             <a:pPr marL="0" lvl="1"/>
             <a:r>
-              <a:rPr lang="en-IN" sz="2400" dirty="0">
+              <a:rPr lang="en-IN" sz="2400">
                 <a:ea typeface="+mn-lt"/>
                 <a:cs typeface="+mn-lt"/>
               </a:rPr>
               <a:t>Pre-processing of every image from train folder dataset takes place here. Basically, the code iterates over each image, resizes for better compression, converts the image into an array, and saves it in pre-defined list. The list data then converted into an array. The array then passes through “</a:t>
             </a:r>
             <a:r>
-              <a:rPr lang="en-IN" sz="2400" dirty="0" err="1">
+              <a:rPr lang="en-IN" sz="2400" err="1">
                 <a:ea typeface="+mn-lt"/>
                 <a:cs typeface="+mn-lt"/>
               </a:rPr>
               <a:t>train_test_split</a:t>
             </a:r>
             <a:r>
-              <a:rPr lang="en-IN" sz="2400" dirty="0">
+              <a:rPr lang="en-IN" sz="2400">
                 <a:ea typeface="+mn-lt"/>
                 <a:cs typeface="+mn-lt"/>
               </a:rPr>
               <a:t>” function to split into subset so to generate accurate results during prediction</a:t>
             </a:r>
-            <a:endParaRPr lang="en-US" sz="2400" dirty="0">
+            <a:endParaRPr lang="en-US" sz="2400">
               <a:ea typeface="+mn-lt"/>
               <a:cs typeface="+mn-lt"/>
             </a:endParaRPr>
           </a:p>
           <a:p>
-            <a:endParaRPr lang="en-IN" sz="2400" dirty="0">
+            <a:endParaRPr lang="en-IN" sz="2400">
               <a:cs typeface="Calibri" panose="020F0502020204030204"/>
             </a:endParaRPr>
           </a:p>
@@ -9086,7 +9051,7 @@
               <a:buFont typeface="Courier New" panose="020B0604020202020204" pitchFamily="34" charset="0"/>
               <a:buChar char="o"/>
             </a:pPr>
-            <a:endParaRPr lang="en-IN" sz="2400" dirty="0">
+            <a:endParaRPr lang="en-IN" sz="2400">
               <a:cs typeface="Calibri" panose="020F0502020204030204"/>
             </a:endParaRPr>
           </a:p>
@@ -9095,7 +9060,7 @@
               <a:buFont typeface="Arial" panose="020B0604020202020204" pitchFamily="34" charset="0"/>
               <a:buChar char="•"/>
             </a:pPr>
-            <a:endParaRPr lang="en-IN" dirty="0">
+            <a:endParaRPr lang="en-IN">
               <a:cs typeface="Calibri" panose="020F0502020204030204"/>
             </a:endParaRPr>
           </a:p>
@@ -9153,13 +9118,13 @@
           <a:lstStyle/>
           <a:p>
             <a:r>
-              <a:rPr lang="en-US" sz="3200" b="1" dirty="0"/>
+              <a:rPr lang="en-US" sz="3200" b="1"/>
               <a:t>Project Team</a:t>
             </a:r>
             <a:br>
-              <a:rPr lang="en-US" dirty="0"/>
+              <a:rPr lang="en-US"/>
             </a:br>
-            <a:endParaRPr lang="en-US" dirty="0"/>
+            <a:endParaRPr lang="en-US"/>
           </a:p>
         </p:txBody>
       </p:sp>
@@ -9193,23 +9158,18 @@
           <a:p>
             <a:pPr lvl="1"/>
             <a:r>
-              <a:rPr lang="en-US" sz="3200" u="sng" dirty="0" err="1"/>
+              <a:rPr lang="en-US" sz="3200" u="sng" err="1"/>
               <a:t>Bashetty</a:t>
             </a:r>
             <a:r>
-              <a:rPr lang="en-US" sz="3200" u="sng" dirty="0"/>
-              <a:t>, </a:t>
-            </a:r>
-            <a:r>
               <a:rPr lang="en-US" sz="3200" u="sng"/>
-              <a:t>Pavankumar</a:t>
-            </a:r>
-            <a:endParaRPr lang="en-US" sz="3200" u="sng" dirty="0"/>
+              <a:t>, Pavankumar</a:t>
+            </a:r>
           </a:p>
           <a:p>
             <a:pPr lvl="1"/>
             <a:r>
-              <a:rPr lang="en-US" sz="3200" u="sng" dirty="0"/>
+              <a:rPr lang="en-US" sz="3200" u="sng"/>
               <a:t>Swami, Skand</a:t>
             </a:r>
           </a:p>
@@ -9217,17 +9177,17 @@
             <a:pPr marL="457200" lvl="1" indent="0">
               <a:buNone/>
             </a:pPr>
-            <a:endParaRPr lang="en-US" sz="3200" dirty="0"/>
+            <a:endParaRPr lang="en-US" sz="3200"/>
           </a:p>
           <a:p>
             <a:pPr marL="0" lvl="1" indent="0">
               <a:buNone/>
             </a:pPr>
             <a:r>
-              <a:rPr lang="en-US" sz="3200" dirty="0"/>
+              <a:rPr lang="en-US" sz="3200"/>
               <a:t>                                                                                     </a:t>
             </a:r>
-            <a:endParaRPr lang="en-GB" sz="2400" dirty="0"/>
+            <a:endParaRPr lang="en-GB" sz="2400"/>
           </a:p>
         </p:txBody>
       </p:sp>
@@ -9254,7 +9214,7 @@
           <a:p>
             <a:fld id="{F10EDF90-6C91-9C49-9EDC-F791C9CEFB17}" type="datetime1">
               <a:rPr lang="de-DE" smtClean="0"/>
-              <a:t>19.07.22</a:t>
+              <a:t>21.07.2022</a:t>
             </a:fld>
             <a:endParaRPr lang="de-DE"/>
           </a:p>
@@ -9380,12 +9340,12 @@
           <a:lstStyle/>
           <a:p>
             <a:r>
-              <a:rPr lang="en-US" dirty="0">
+              <a:rPr lang="en-US">
                 <a:latin typeface="SRH Headline"/>
               </a:rPr>
               <a:t>2. Building the model:</a:t>
             </a:r>
-            <a:endParaRPr lang="en-US" sz="4400" dirty="0">
+            <a:endParaRPr lang="en-US" sz="4400">
               <a:latin typeface="SRH Headline"/>
             </a:endParaRPr>
           </a:p>
@@ -9414,7 +9374,7 @@
           <a:p>
             <a:fld id="{F10EDF90-6C91-9C49-9EDC-F791C9CEFB17}" type="datetime1">
               <a:rPr lang="de-DE" smtClean="0"/>
-              <a:t>20.07.22</a:t>
+              <a:t>21.07.2022</a:t>
             </a:fld>
             <a:endParaRPr lang="de-DE"/>
           </a:p>
@@ -9442,14 +9402,14 @@
           <a:lstStyle/>
           <a:p>
             <a:r>
-              <a:rPr lang="de-DE" dirty="0"/>
+              <a:rPr lang="de-DE"/>
               <a:t>SRH Hochschule Heidelberg – Scientific Research, Writing and </a:t>
             </a:r>
             <a:r>
-              <a:rPr lang="de-DE" dirty="0" err="1"/>
+              <a:rPr lang="de-DE" err="1"/>
               <a:t>Presentation</a:t>
             </a:r>
-            <a:endParaRPr lang="de-DE" dirty="0"/>
+            <a:endParaRPr lang="de-DE"/>
           </a:p>
         </p:txBody>
       </p:sp>
@@ -9515,35 +9475,35 @@
               <a:buChar char="•"/>
             </a:pPr>
             <a:r>
-              <a:rPr lang="en-IN" sz="2400" dirty="0">
+              <a:rPr lang="en-IN" sz="2400">
                 <a:ea typeface="+mn-lt"/>
                 <a:cs typeface="+mn-lt"/>
               </a:rPr>
               <a:t>To build our deep learning neural network we have used </a:t>
             </a:r>
             <a:r>
-              <a:rPr lang="en-IN" sz="2400" dirty="0" err="1">
+              <a:rPr lang="en-IN" sz="2400" err="1">
                 <a:ea typeface="+mn-lt"/>
                 <a:cs typeface="+mn-lt"/>
               </a:rPr>
               <a:t>kera</a:t>
             </a:r>
             <a:r>
-              <a:rPr lang="en-IN" sz="2400" dirty="0">
+              <a:rPr lang="en-IN" sz="2400">
                 <a:ea typeface="+mn-lt"/>
                 <a:cs typeface="+mn-lt"/>
               </a:rPr>
               <a:t> from </a:t>
             </a:r>
             <a:r>
-              <a:rPr lang="en-IN" sz="2400" dirty="0" err="1">
+              <a:rPr lang="en-IN" sz="2400" err="1">
                 <a:ea typeface="+mn-lt"/>
                 <a:cs typeface="+mn-lt"/>
               </a:rPr>
               <a:t>Tensorflow</a:t>
             </a:r>
             <a:r>
-              <a:rPr lang="en-IN" sz="2400" dirty="0">
+              <a:rPr lang="en-IN" sz="2400">
                 <a:ea typeface="+mn-lt"/>
                 <a:cs typeface="+mn-lt"/>
               </a:rPr>
@@ -9553,7 +9513,7 @@
           <a:p>
             <a:pPr marL="0" lvl="1"/>
             <a:r>
-              <a:rPr lang="en-IN" sz="2400" dirty="0">
+              <a:rPr lang="en-IN" sz="2400">
                 <a:ea typeface="+mn-lt"/>
                 <a:cs typeface="+mn-lt"/>
               </a:rPr>
@@ -9562,7 +9522,7 @@
           </a:p>
           <a:p>
             <a:pPr marL="0" lvl="1"/>
-            <a:endParaRPr lang="en-IN" sz="2400" dirty="0">
+            <a:endParaRPr lang="en-IN" sz="2400">
               <a:ea typeface="+mn-lt"/>
               <a:cs typeface="+mn-lt"/>
             </a:endParaRPr>
@@ -9570,21 +9530,21 @@
           <a:p>
             <a:pPr marL="0" lvl="1"/>
             <a:r>
-              <a:rPr lang="en-IN" sz="2400" dirty="0">
+              <a:rPr lang="en-IN" sz="2400">
                 <a:ea typeface="+mn-lt"/>
                 <a:cs typeface="+mn-lt"/>
               </a:rPr>
               <a:t>Step 1: Initialising the model using “Sequential()” creates a </a:t>
             </a:r>
             <a:r>
-              <a:rPr lang="en-IN" sz="2400" dirty="0" err="1">
+              <a:rPr lang="en-IN" sz="2400" err="1">
                 <a:ea typeface="+mn-lt"/>
                 <a:cs typeface="+mn-lt"/>
               </a:rPr>
               <a:t>forwardfeeding</a:t>
             </a:r>
             <a:r>
-              <a:rPr lang="en-IN" sz="2400" dirty="0">
+              <a:rPr lang="en-IN" sz="2400">
                 <a:ea typeface="+mn-lt"/>
                 <a:cs typeface="+mn-lt"/>
               </a:rPr>
@@ -9594,21 +9554,21 @@
           <a:p>
             <a:pPr marL="0" lvl="1"/>
             <a:r>
-              <a:rPr lang="en-IN" sz="2400" dirty="0">
+              <a:rPr lang="en-IN" sz="2400">
                 <a:ea typeface="+mn-lt"/>
                 <a:cs typeface="+mn-lt"/>
               </a:rPr>
               <a:t>Step 2: Convolutional layer,  </a:t>
             </a:r>
             <a:r>
-              <a:rPr lang="en-IN" sz="2400" dirty="0" err="1">
+              <a:rPr lang="en-IN" sz="2400" err="1">
                 <a:ea typeface="+mn-lt"/>
                 <a:cs typeface="+mn-lt"/>
               </a:rPr>
               <a:t>MaxPooling</a:t>
             </a:r>
             <a:r>
-              <a:rPr lang="en-IN" sz="2400" dirty="0">
+              <a:rPr lang="en-IN" sz="2400">
                 <a:ea typeface="+mn-lt"/>
                 <a:cs typeface="+mn-lt"/>
               </a:rPr>
@@ -9618,7 +9578,7 @@
           <a:p>
             <a:pPr marL="0" lvl="1"/>
             <a:r>
-              <a:rPr lang="en-IN" sz="2400" dirty="0">
+              <a:rPr lang="en-IN" sz="2400">
                 <a:ea typeface="+mn-lt"/>
                 <a:cs typeface="+mn-lt"/>
               </a:rPr>
@@ -9628,7 +9588,7 @@
           <a:p>
             <a:pPr marL="0" lvl="1"/>
             <a:r>
-              <a:rPr lang="en-IN" sz="2400" dirty="0">
+              <a:rPr lang="en-IN" sz="2400">
                 <a:ea typeface="+mn-lt"/>
                 <a:cs typeface="+mn-lt"/>
               </a:rPr>
@@ -9638,7 +9598,7 @@
           <a:p>
             <a:pPr marL="0" lvl="1"/>
             <a:r>
-              <a:rPr lang="en-IN" sz="2400" dirty="0">
+              <a:rPr lang="en-IN" sz="2400">
                 <a:ea typeface="+mn-lt"/>
                 <a:cs typeface="+mn-lt"/>
               </a:rPr>
@@ -9646,7 +9606,7 @@
             </a:r>
           </a:p>
           <a:p>
-            <a:endParaRPr lang="en-IN" sz="2400" dirty="0">
+            <a:endParaRPr lang="en-IN" sz="2400">
               <a:cs typeface="Calibri" panose="020F0502020204030204"/>
             </a:endParaRPr>
           </a:p>
@@ -9655,7 +9615,7 @@
               <a:buFont typeface="Courier New" panose="020B0604020202020204" pitchFamily="34" charset="0"/>
               <a:buChar char="o"/>
             </a:pPr>
-            <a:endParaRPr lang="en-IN" sz="2400" dirty="0">
+            <a:endParaRPr lang="en-IN" sz="2400">
               <a:cs typeface="Calibri" panose="020F0502020204030204"/>
             </a:endParaRPr>
           </a:p>
@@ -9664,7 +9624,7 @@
               <a:buFont typeface="Arial" panose="020B0604020202020204" pitchFamily="34" charset="0"/>
               <a:buChar char="•"/>
             </a:pPr>
-            <a:endParaRPr lang="en-IN" dirty="0">
+            <a:endParaRPr lang="en-IN">
               <a:cs typeface="Calibri" panose="020F0502020204030204"/>
             </a:endParaRPr>
           </a:p>
@@ -9761,7 +9721,7 @@
           <a:p>
             <a:fld id="{F10EDF90-6C91-9C49-9EDC-F791C9CEFB17}" type="datetime1">
               <a:rPr lang="de-DE" smtClean="0"/>
-              <a:t>20.07.22</a:t>
+              <a:t>21.07.2022</a:t>
             </a:fld>
             <a:endParaRPr lang="de-DE"/>
           </a:p>
@@ -9789,14 +9749,14 @@
           <a:lstStyle/>
           <a:p>
             <a:r>
-              <a:rPr lang="de-DE" dirty="0"/>
+              <a:rPr lang="de-DE"/>
               <a:t>SRH Hochschule Heidelberg – Scientific Research, Writing and </a:t>
             </a:r>
             <a:r>
-              <a:rPr lang="de-DE" dirty="0" err="1"/>
+              <a:rPr lang="de-DE" err="1"/>
               <a:t>Presentation</a:t>
             </a:r>
-            <a:endParaRPr lang="de-DE" dirty="0"/>
+            <a:endParaRPr lang="de-DE"/>
           </a:p>
         </p:txBody>
       </p:sp>
@@ -9859,22 +9819,22 @@
           <a:p>
             <a:pPr marL="342900" lvl="1" indent="-342900"/>
             <a:r>
-              <a:rPr lang="en-IN" sz="2400" dirty="0"/>
+              <a:rPr lang="en-IN" sz="2400"/>
               <a:t>Supervised learning is </a:t>
             </a:r>
             <a:r>
-              <a:rPr lang="en-IN" sz="2400" b="1" dirty="0"/>
+              <a:rPr lang="en-IN" sz="2400" b="1"/>
               <a:t>an approach to creating artificial intelligence (AI), where a computer algorithm is trained on input data that has been labelled for a particular output</a:t>
             </a:r>
             <a:r>
-              <a:rPr lang="en-IN" sz="2400" dirty="0"/>
+              <a:rPr lang="en-IN" sz="2400"/>
               <a:t>.</a:t>
             </a:r>
           </a:p>
           <a:p>
             <a:pPr marL="342900" lvl="1" indent="-342900"/>
             <a:r>
-              <a:rPr lang="en-IN" sz="2400" dirty="0">
+              <a:rPr lang="en-IN" sz="2400">
                 <a:cs typeface="Calibri"/>
               </a:rPr>
               <a:t>A large amount of data isn’t required compared to Unsupervised learning.</a:t>
@@ -9885,7 +9845,7 @@
               <a:buFont typeface="Arial" panose="020B0604020202020204" pitchFamily="34" charset="0"/>
               <a:buChar char="•"/>
             </a:pPr>
-            <a:endParaRPr lang="en-IN" dirty="0">
+            <a:endParaRPr lang="en-IN">
               <a:cs typeface="Calibri" panose="020F0502020204030204"/>
             </a:endParaRPr>
           </a:p>
@@ -9924,19 +9884,19 @@
               <a:buChar char="•"/>
             </a:pPr>
             <a:r>
-              <a:rPr lang="en-IN" dirty="0">
+              <a:rPr lang="en-IN">
                 <a:cs typeface="Calibri" panose="020F0502020204030204"/>
               </a:rPr>
               <a:t>With </a:t>
             </a:r>
             <a:r>
-              <a:rPr lang="en-IN" dirty="0" err="1">
+              <a:rPr lang="en-IN" err="1">
                 <a:cs typeface="Calibri" panose="020F0502020204030204"/>
               </a:rPr>
               <a:t>Model.fit</a:t>
             </a:r>
             <a:r>
-              <a:rPr lang="en-IN" dirty="0">
+              <a:rPr lang="en-IN">
                 <a:cs typeface="Calibri" panose="020F0502020204030204"/>
               </a:rPr>
               <a:t> we are training the model and validating it simultaneously with the test sets.</a:t>
@@ -9948,7 +9908,7 @@
               <a:buChar char="•"/>
             </a:pPr>
             <a:r>
-              <a:rPr lang="en-IN" dirty="0">
+              <a:rPr lang="en-IN">
                 <a:cs typeface="Calibri" panose="020F0502020204030204"/>
               </a:rPr>
               <a:t>20 epoch have been used.</a:t>
@@ -9960,19 +9920,19 @@
               <a:buChar char="•"/>
             </a:pPr>
             <a:r>
-              <a:rPr lang="en-IN" dirty="0">
+              <a:rPr lang="en-IN">
                 <a:cs typeface="Calibri" panose="020F0502020204030204"/>
               </a:rPr>
               <a:t>Result of each can be seen in the Adjoining </a:t>
             </a:r>
             <a:r>
-              <a:rPr lang="en-IN" dirty="0" err="1">
+              <a:rPr lang="en-IN" err="1">
                 <a:cs typeface="Calibri" panose="020F0502020204030204"/>
               </a:rPr>
               <a:t>Jupyter</a:t>
             </a:r>
             <a:r>
-              <a:rPr lang="en-IN" dirty="0">
+              <a:rPr lang="en-IN">
                 <a:cs typeface="Calibri" panose="020F0502020204030204"/>
               </a:rPr>
               <a:t> Notebooks.</a:t>
@@ -10071,7 +10031,7 @@
           <a:p>
             <a:fld id="{F10EDF90-6C91-9C49-9EDC-F791C9CEFB17}" type="datetime1">
               <a:rPr lang="de-DE" smtClean="0"/>
-              <a:t>20.07.22</a:t>
+              <a:t>21.07.2022</a:t>
             </a:fld>
             <a:endParaRPr lang="de-DE"/>
           </a:p>
@@ -10167,7 +10127,7 @@
           <a:lstStyle/>
           <a:p>
             <a:pPr marL="0" lvl="1"/>
-            <a:endParaRPr lang="en-IN" sz="2400" dirty="0">
+            <a:endParaRPr lang="en-IN" sz="2400">
               <a:ea typeface="+mn-lt"/>
               <a:cs typeface="+mn-lt"/>
             </a:endParaRPr>
@@ -10178,49 +10138,49 @@
               <a:buChar char="•"/>
             </a:pPr>
             <a:r>
-              <a:rPr lang="en-IN" sz="2400" dirty="0">
+              <a:rPr lang="en-IN" sz="2400">
                 <a:cs typeface="Calibri" panose="020F0502020204030204"/>
               </a:rPr>
               <a:t>We save the trained model in an </a:t>
             </a:r>
             <a:r>
-              <a:rPr lang="en-IN" sz="2400" b="1" dirty="0">
+              <a:rPr lang="en-IN" sz="2400" b="1">
                 <a:cs typeface="Calibri" panose="020F0502020204030204"/>
               </a:rPr>
               <a:t>.</a:t>
             </a:r>
             <a:r>
-              <a:rPr lang="en-IN" sz="2400" b="1" dirty="0" err="1">
+              <a:rPr lang="en-IN" sz="2400" b="1" err="1">
                 <a:cs typeface="Calibri" panose="020F0502020204030204"/>
               </a:rPr>
               <a:t>hdf</a:t>
             </a:r>
             <a:r>
-              <a:rPr lang="en-IN" sz="2400" b="1" dirty="0">
+              <a:rPr lang="en-IN" sz="2400" b="1">
                 <a:cs typeface="Calibri" panose="020F0502020204030204"/>
               </a:rPr>
               <a:t> </a:t>
             </a:r>
             <a:r>
-              <a:rPr lang="en-IN" sz="2400" dirty="0">
+              <a:rPr lang="en-IN" sz="2400">
                 <a:cs typeface="Calibri" panose="020F0502020204030204"/>
               </a:rPr>
               <a:t>file for later use.(</a:t>
             </a:r>
             <a:r>
-              <a:rPr lang="en-IN" sz="2400" b="1" dirty="0" err="1">
+              <a:rPr lang="en-IN" sz="2400" b="1" err="1">
                 <a:cs typeface="Calibri" panose="020F0502020204030204"/>
               </a:rPr>
               <a:t>model.save</a:t>
             </a:r>
             <a:r>
-              <a:rPr lang="en-IN" sz="2400" b="1" dirty="0">
+              <a:rPr lang="en-IN" sz="2400" b="1">
                 <a:cs typeface="Calibri" panose="020F0502020204030204"/>
               </a:rPr>
               <a:t>()</a:t>
             </a:r>
             <a:r>
-              <a:rPr lang="en-IN" sz="2400" dirty="0">
+              <a:rPr lang="en-IN" sz="2400">
                 <a:cs typeface="Calibri" panose="020F0502020204030204"/>
               </a:rPr>
               <a:t>)</a:t>
@@ -10232,31 +10192,31 @@
               <a:buChar char="•"/>
             </a:pPr>
             <a:r>
-              <a:rPr lang="en-IN" sz="2400" dirty="0">
+              <a:rPr lang="en-IN" sz="2400">
                 <a:cs typeface="Calibri" panose="020F0502020204030204"/>
               </a:rPr>
               <a:t>.</a:t>
             </a:r>
             <a:r>
-              <a:rPr lang="en-IN" sz="2400" dirty="0" err="1">
+              <a:rPr lang="en-IN" sz="2400" err="1">
                 <a:cs typeface="Calibri" panose="020F0502020204030204"/>
               </a:rPr>
               <a:t>hdf</a:t>
             </a:r>
             <a:r>
-              <a:rPr lang="en-IN" sz="2400" dirty="0">
+              <a:rPr lang="en-IN" sz="2400">
                 <a:cs typeface="Calibri" panose="020F0502020204030204"/>
               </a:rPr>
               <a:t> is appropriate for storing </a:t>
             </a:r>
             <a:r>
-              <a:rPr lang="en-IN" sz="2400" dirty="0" err="1">
+              <a:rPr lang="en-IN" sz="2400" err="1">
                 <a:cs typeface="Calibri" panose="020F0502020204030204"/>
               </a:rPr>
               <a:t>multidimentional</a:t>
             </a:r>
             <a:r>
-              <a:rPr lang="en-IN" sz="2400" dirty="0">
+              <a:rPr lang="en-IN" sz="2400">
                 <a:cs typeface="Calibri" panose="020F0502020204030204"/>
               </a:rPr>
               <a:t> arrays of scientific data.</a:t>
@@ -10268,36 +10228,36 @@
               <a:buChar char="•"/>
             </a:pPr>
             <a:r>
-              <a:rPr lang="en-IN" sz="2400" dirty="0">
+              <a:rPr lang="en-IN" sz="2400">
                 <a:cs typeface="Calibri" panose="020F0502020204030204"/>
               </a:rPr>
               <a:t>This model can loaded using </a:t>
             </a:r>
             <a:r>
-              <a:rPr lang="en-IN" sz="2400" b="1" dirty="0" err="1">
+              <a:rPr lang="en-IN" sz="2400" b="1" err="1">
                 <a:cs typeface="Calibri" panose="020F0502020204030204"/>
               </a:rPr>
               <a:t>load_model</a:t>
             </a:r>
             <a:r>
-              <a:rPr lang="en-IN" sz="2400" b="1" dirty="0">
+              <a:rPr lang="en-IN" sz="2400" b="1">
                 <a:cs typeface="Calibri" panose="020F0502020204030204"/>
               </a:rPr>
               <a:t> </a:t>
             </a:r>
             <a:r>
-              <a:rPr lang="en-IN" sz="2400" dirty="0">
+              <a:rPr lang="en-IN" sz="2400">
                 <a:cs typeface="Calibri" panose="020F0502020204030204"/>
               </a:rPr>
               <a:t>function from </a:t>
             </a:r>
             <a:r>
-              <a:rPr lang="en-IN" sz="2400" b="1" dirty="0" err="1">
+              <a:rPr lang="en-IN" sz="2400" b="1" err="1">
                 <a:cs typeface="Calibri" panose="020F0502020204030204"/>
               </a:rPr>
               <a:t>keras.models</a:t>
             </a:r>
-            <a:endParaRPr lang="en-IN" sz="2400" b="1" dirty="0">
+            <a:endParaRPr lang="en-IN" sz="2400" b="1">
               <a:cs typeface="Calibri" panose="020F0502020204030204"/>
             </a:endParaRPr>
           </a:p>
@@ -10306,7 +10266,7 @@
               <a:buFont typeface="Courier New" panose="020B0604020202020204" pitchFamily="34" charset="0"/>
               <a:buChar char="o"/>
             </a:pPr>
-            <a:endParaRPr lang="en-IN" sz="2400" dirty="0">
+            <a:endParaRPr lang="en-IN" sz="2400">
               <a:cs typeface="Calibri" panose="020F0502020204030204"/>
             </a:endParaRPr>
           </a:p>
@@ -10315,7 +10275,7 @@
               <a:buFont typeface="Arial" panose="020B0604020202020204" pitchFamily="34" charset="0"/>
               <a:buChar char="•"/>
             </a:pPr>
-            <a:endParaRPr lang="en-IN" dirty="0">
+            <a:endParaRPr lang="en-IN">
               <a:cs typeface="Calibri" panose="020F0502020204030204"/>
             </a:endParaRPr>
           </a:p>
@@ -10412,7 +10372,7 @@
           <a:p>
             <a:fld id="{F10EDF90-6C91-9C49-9EDC-F791C9CEFB17}" type="datetime1">
               <a:rPr lang="de-DE" smtClean="0"/>
-              <a:t>20.07.22</a:t>
+              <a:t>21.07.2022</a:t>
             </a:fld>
             <a:endParaRPr lang="de-DE"/>
           </a:p>
@@ -10701,7 +10661,7 @@
           <a:p>
             <a:fld id="{F10EDF90-6C91-9C49-9EDC-F791C9CEFB17}" type="datetime1">
               <a:rPr lang="de-DE" smtClean="0"/>
-              <a:t>20.07.22</a:t>
+              <a:t>21.07.2022</a:t>
             </a:fld>
             <a:endParaRPr lang="de-DE"/>
           </a:p>
@@ -10801,20 +10761,20 @@
               <a:buChar char="o"/>
             </a:pPr>
             <a:r>
-              <a:rPr lang="en-IN" sz="2400" dirty="0">
+              <a:rPr lang="en-IN" sz="2400">
                 <a:ea typeface="+mn-lt"/>
                 <a:cs typeface="+mn-lt"/>
               </a:rPr>
               <a:t>Images from the test file will be converted to array and then loads to trained model to predict accuracy score.</a:t>
             </a:r>
-            <a:endParaRPr lang="en-IN" dirty="0">
+            <a:endParaRPr lang="en-IN">
               <a:ea typeface="+mn-lt"/>
               <a:cs typeface="+mn-lt"/>
             </a:endParaRPr>
           </a:p>
           <a:p>
             <a:pPr marL="0" lvl="1"/>
-            <a:endParaRPr lang="en-IN" sz="2400" dirty="0">
+            <a:endParaRPr lang="en-IN" sz="2400">
               <a:ea typeface="+mn-lt"/>
               <a:cs typeface="+mn-lt"/>
             </a:endParaRPr>
@@ -10825,18 +10785,18 @@
               <a:buChar char="o"/>
             </a:pPr>
             <a:r>
-              <a:rPr lang="en-IN" sz="2400" dirty="0">
+              <a:rPr lang="en-IN" sz="2400">
                 <a:ea typeface="+mn-lt"/>
                 <a:cs typeface="+mn-lt"/>
               </a:rPr>
               <a:t>Prediction model is also used to test an input image and to get a proper output.</a:t>
             </a:r>
-            <a:endParaRPr lang="en-IN" dirty="0">
+            <a:endParaRPr lang="en-IN">
               <a:cs typeface="Calibri"/>
             </a:endParaRPr>
           </a:p>
           <a:p>
-            <a:endParaRPr lang="en-IN" sz="2400" dirty="0">
+            <a:endParaRPr lang="en-IN" sz="2400">
               <a:cs typeface="Calibri" panose="020F0502020204030204"/>
             </a:endParaRPr>
           </a:p>
@@ -10845,7 +10805,7 @@
               <a:buFont typeface="Courier New" panose="020B0604020202020204" pitchFamily="34" charset="0"/>
               <a:buChar char="o"/>
             </a:pPr>
-            <a:endParaRPr lang="en-IN" sz="2400" dirty="0">
+            <a:endParaRPr lang="en-IN" sz="2400">
               <a:cs typeface="Calibri" panose="020F0502020204030204"/>
             </a:endParaRPr>
           </a:p>
@@ -10854,7 +10814,7 @@
               <a:buFont typeface="Arial" panose="020B0604020202020204" pitchFamily="34" charset="0"/>
               <a:buChar char="•"/>
             </a:pPr>
-            <a:endParaRPr lang="en-IN" dirty="0">
+            <a:endParaRPr lang="en-IN">
               <a:cs typeface="Calibri" panose="020F0502020204030204"/>
             </a:endParaRPr>
           </a:p>
@@ -10912,13 +10872,13 @@
           <a:lstStyle/>
           <a:p>
             <a:r>
-              <a:rPr lang="de-DE" sz="5400" dirty="0"/>
+              <a:rPr lang="de-DE" sz="5400"/>
               <a:t>Resources</a:t>
             </a:r>
             <a:br>
-              <a:rPr lang="de-DE" dirty="0"/>
+              <a:rPr lang="de-DE"/>
             </a:br>
-            <a:endParaRPr lang="en-GB" dirty="0"/>
+            <a:endParaRPr lang="en-GB"/>
           </a:p>
         </p:txBody>
       </p:sp>
@@ -10946,12 +10906,12 @@
           <a:lstStyle/>
           <a:p>
             <a:r>
-              <a:rPr lang="de-DE" dirty="0">
+              <a:rPr lang="de-DE">
                 <a:latin typeface="SRH Headline"/>
               </a:rPr>
               <a:t>05</a:t>
             </a:r>
-            <a:endParaRPr lang="en-GB" dirty="0"/>
+            <a:endParaRPr lang="en-GB"/>
           </a:p>
         </p:txBody>
       </p:sp>
@@ -10978,7 +10938,7 @@
           <a:p>
             <a:fld id="{B4F2AB4E-F240-2644-9DF0-3F5E0D661364}" type="datetime1">
               <a:rPr lang="de-DE" smtClean="0"/>
-              <a:t>20.07.22</a:t>
+              <a:t>21.07.2022</a:t>
             </a:fld>
             <a:endParaRPr lang="de-DE"/>
           </a:p>
@@ -11099,7 +11059,7 @@
           <a:lstStyle/>
           <a:p>
             <a:r>
-              <a:rPr lang="en-US" dirty="0"/>
+              <a:rPr lang="en-US"/>
               <a:t>Sources</a:t>
             </a:r>
           </a:p>
@@ -11127,119 +11087,119 @@
           <a:lstStyle/>
           <a:p>
             <a:r>
-              <a:rPr lang="en-US" dirty="0"/>
+              <a:rPr lang="en-US"/>
               <a:t>Websites:</a:t>
             </a:r>
             <a:br>
-              <a:rPr lang="en-US" dirty="0"/>
+              <a:rPr lang="en-US"/>
             </a:br>
             <a:r>
-              <a:rPr lang="en-US" dirty="0"/>
+              <a:rPr lang="en-US"/>
               <a:t>- </a:t>
             </a:r>
             <a:r>
-              <a:rPr lang="en-US" dirty="0">
+              <a:rPr lang="en-US">
                 <a:hlinkClick r:id="rId2"/>
               </a:rPr>
               <a:t>https://keras.io/</a:t>
             </a:r>
             <a:br>
-              <a:rPr lang="en-US" dirty="0"/>
+              <a:rPr lang="en-US"/>
             </a:br>
             <a:r>
-              <a:rPr lang="en-US" dirty="0"/>
+              <a:rPr lang="en-US"/>
               <a:t>- </a:t>
             </a:r>
             <a:r>
-              <a:rPr lang="en-US" dirty="0">
+              <a:rPr lang="en-US">
                 <a:hlinkClick r:id="rId3"/>
               </a:rPr>
               <a:t>http://tensorflow.org/</a:t>
             </a:r>
             <a:br>
-              <a:rPr lang="en-US" dirty="0"/>
+              <a:rPr lang="en-US"/>
             </a:br>
             <a:r>
-              <a:rPr lang="en-US" dirty="0"/>
+              <a:rPr lang="en-US"/>
               <a:t>- </a:t>
             </a:r>
             <a:r>
-              <a:rPr lang="en-US" dirty="0" err="1"/>
+              <a:rPr lang="en-US" err="1"/>
               <a:t>sendex</a:t>
             </a:r>
             <a:r>
-              <a:rPr lang="en-US" dirty="0"/>
+              <a:rPr lang="en-US"/>
               <a:t>(</a:t>
             </a:r>
             <a:r>
-              <a:rPr lang="en-US" dirty="0" err="1"/>
+              <a:rPr lang="en-US" err="1"/>
               <a:t>Youtube</a:t>
             </a:r>
             <a:r>
-              <a:rPr lang="en-US" dirty="0"/>
+              <a:rPr lang="en-US"/>
               <a:t>)</a:t>
             </a:r>
             <a:br>
-              <a:rPr lang="en-US" dirty="0"/>
+              <a:rPr lang="en-US"/>
             </a:br>
             <a:r>
-              <a:rPr lang="en-US" dirty="0"/>
+              <a:rPr lang="en-US"/>
               <a:t>- https://</a:t>
             </a:r>
             <a:r>
-              <a:rPr lang="en-US" dirty="0" err="1"/>
+              <a:rPr lang="en-US" err="1"/>
               <a:t>pythonprogramming.net</a:t>
             </a:r>
             <a:r>
-              <a:rPr lang="en-US" dirty="0"/>
+              <a:rPr lang="en-US"/>
               <a:t>/convolutional-neural-network-deep-learning-python-tensorflow-keras/</a:t>
             </a:r>
           </a:p>
           <a:p>
-            <a:endParaRPr lang="en-US" dirty="0"/>
-          </a:p>
-          <a:p>
-            <a:r>
-              <a:rPr lang="en-US" dirty="0"/>
+            <a:endParaRPr lang="en-US"/>
+          </a:p>
+          <a:p>
+            <a:r>
+              <a:rPr lang="en-US"/>
               <a:t>Dataset:</a:t>
             </a:r>
             <a:br>
-              <a:rPr lang="en-US" dirty="0"/>
+              <a:rPr lang="en-US"/>
             </a:br>
             <a:r>
-              <a:rPr lang="en-US" dirty="0"/>
+              <a:rPr lang="en-US"/>
               <a:t>https://</a:t>
             </a:r>
             <a:r>
-              <a:rPr lang="en-US" dirty="0" err="1"/>
+              <a:rPr lang="en-US" err="1"/>
               <a:t>www.kaggle.com</a:t>
             </a:r>
             <a:r>
-              <a:rPr lang="en-US" dirty="0"/>
+              <a:rPr lang="en-US"/>
               <a:t>/datasets/</a:t>
             </a:r>
             <a:r>
-              <a:rPr lang="en-US" dirty="0" err="1"/>
+              <a:rPr lang="en-US" err="1"/>
               <a:t>meowmeowmeowmeowmeow</a:t>
             </a:r>
             <a:r>
-              <a:rPr lang="en-US" dirty="0"/>
+              <a:rPr lang="en-US"/>
               <a:t>/</a:t>
             </a:r>
             <a:r>
-              <a:rPr lang="en-US" dirty="0" err="1"/>
+              <a:rPr lang="en-US" err="1"/>
               <a:t>gtsrb</a:t>
             </a:r>
             <a:r>
-              <a:rPr lang="en-US" dirty="0"/>
+              <a:rPr lang="en-US"/>
               <a:t>-</a:t>
             </a:r>
             <a:r>
-              <a:rPr lang="en-US" dirty="0" err="1"/>
+              <a:rPr lang="en-US" err="1"/>
               <a:t>german</a:t>
             </a:r>
             <a:r>
-              <a:rPr lang="en-US" dirty="0"/>
+              <a:rPr lang="en-US"/>
               <a:t>-traffic-sign</a:t>
             </a:r>
           </a:p>
@@ -11247,7 +11207,7 @@
             <a:pPr marL="0" indent="0">
               <a:buNone/>
             </a:pPr>
-            <a:endParaRPr lang="en-US" dirty="0"/>
+            <a:endParaRPr lang="en-US"/>
           </a:p>
         </p:txBody>
       </p:sp>
@@ -11309,23 +11269,23 @@
           <a:p>
             <a:pPr algn="ctr"/>
             <a:r>
-              <a:rPr lang="en-US" dirty="0"/>
+              <a:rPr lang="en-US"/>
               <a:t>Project Title:</a:t>
             </a:r>
             <a:br>
-              <a:rPr lang="en-US" b="0" dirty="0"/>
+              <a:rPr lang="en-US" b="0"/>
             </a:br>
             <a:r>
-              <a:rPr lang="en-US" dirty="0"/>
+              <a:rPr lang="en-US"/>
               <a:t>Traffic Sign Recognition : Neural Networks</a:t>
             </a:r>
             <a:br>
-              <a:rPr lang="en-US" dirty="0"/>
+              <a:rPr lang="en-US"/>
             </a:br>
             <a:br>
-              <a:rPr lang="de-DE" dirty="0"/>
+              <a:rPr lang="de-DE"/>
             </a:br>
-            <a:endParaRPr lang="en-GB" dirty="0"/>
+            <a:endParaRPr lang="en-GB"/>
           </a:p>
         </p:txBody>
       </p:sp>
@@ -11352,7 +11312,7 @@
           <a:p>
             <a:fld id="{B4F2AB4E-F240-2644-9DF0-3F5E0D661364}" type="datetime1">
               <a:rPr lang="de-DE" smtClean="0"/>
-              <a:t>19.07.22</a:t>
+              <a:t>21.07.2022</a:t>
             </a:fld>
             <a:endParaRPr lang="de-DE"/>
           </a:p>
@@ -11608,13 +11568,13 @@
           <a:lstStyle/>
           <a:p>
             <a:r>
-              <a:rPr lang="de-DE" sz="5400" dirty="0"/>
+              <a:rPr lang="de-DE" sz="5400"/>
               <a:t>Environment</a:t>
             </a:r>
             <a:br>
-              <a:rPr lang="de-DE" dirty="0"/>
+              <a:rPr lang="de-DE"/>
             </a:br>
-            <a:endParaRPr lang="en-GB" dirty="0"/>
+            <a:endParaRPr lang="en-GB"/>
           </a:p>
         </p:txBody>
       </p:sp>
@@ -11670,7 +11630,7 @@
           <a:p>
             <a:fld id="{B4F2AB4E-F240-2644-9DF0-3F5E0D661364}" type="datetime1">
               <a:rPr lang="de-DE" smtClean="0"/>
-              <a:t>19.07.22</a:t>
+              <a:t>21.07.2022</a:t>
             </a:fld>
             <a:endParaRPr lang="de-DE"/>
           </a:p>
@@ -11795,7 +11755,7 @@
             <a:pPr marL="0" lvl="1" indent="0">
               <a:buNone/>
             </a:pPr>
-            <a:endParaRPr lang="en-GB" sz="2400" dirty="0">
+            <a:endParaRPr lang="en-GB" sz="2400">
               <a:latin typeface="SRH Text"/>
               <a:ea typeface="SRH Text"/>
               <a:cs typeface="SRH Text"/>
@@ -11804,14 +11764,14 @@
           <a:p>
             <a:pPr marL="359410" lvl="1" indent="-359410"/>
             <a:r>
-              <a:rPr lang="en-GB" dirty="0">
+              <a:rPr lang="en-GB">
                 <a:latin typeface="SRH Text"/>
                 <a:ea typeface="SRH Text"/>
                 <a:cs typeface="SRH Text"/>
               </a:rPr>
               <a:t>Python(3.10)</a:t>
             </a:r>
-            <a:endParaRPr lang="en-GB" sz="2400" dirty="0">
+            <a:endParaRPr lang="en-GB" sz="2400">
               <a:latin typeface="SRH Text"/>
               <a:ea typeface="SRH Text"/>
               <a:cs typeface="SRH Text"/>
@@ -11820,7 +11780,7 @@
           <a:p>
             <a:pPr marL="359410" lvl="1" indent="-359410"/>
             <a:r>
-              <a:rPr lang="en-GB" dirty="0">
+              <a:rPr lang="en-GB">
                 <a:latin typeface="SRH Text"/>
                 <a:ea typeface="SRH Text"/>
                 <a:cs typeface="SRH Text"/>
@@ -11828,7 +11788,7 @@
               <a:t>Anaconda(</a:t>
             </a:r>
             <a:r>
-              <a:rPr lang="en-GB" dirty="0" err="1">
+              <a:rPr lang="en-GB" err="1">
                 <a:latin typeface="SRH Text"/>
                 <a:ea typeface="SRH Text"/>
                 <a:cs typeface="SRH Text"/>
@@ -11836,14 +11796,14 @@
               <a:t>miniforge</a:t>
             </a:r>
             <a:r>
-              <a:rPr lang="en-GB" dirty="0">
+              <a:rPr lang="en-GB">
                 <a:latin typeface="SRH Text"/>
                 <a:ea typeface="SRH Text"/>
                 <a:cs typeface="SRH Text"/>
               </a:rPr>
               <a:t> 3 &amp; Anaconda 3)</a:t>
             </a:r>
-            <a:endParaRPr lang="en-GB" sz="2400" dirty="0">
+            <a:endParaRPr lang="en-GB" sz="2400">
               <a:latin typeface="SRH Text"/>
               <a:ea typeface="SRH Text"/>
               <a:cs typeface="SRH Text"/>
@@ -11852,7 +11812,7 @@
           <a:p>
             <a:pPr marL="359410" lvl="1" indent="-359410"/>
             <a:r>
-              <a:rPr lang="en-GB" dirty="0" err="1">
+              <a:rPr lang="en-GB" err="1">
                 <a:latin typeface="SRH Text"/>
                 <a:ea typeface="SRH Text"/>
                 <a:cs typeface="SRH Text"/>
@@ -11860,7 +11820,7 @@
               <a:t>Jupyter</a:t>
             </a:r>
             <a:r>
-              <a:rPr lang="en-GB" dirty="0">
+              <a:rPr lang="en-GB">
                 <a:latin typeface="SRH Text"/>
                 <a:ea typeface="SRH Text"/>
                 <a:cs typeface="SRH Text"/>
@@ -11872,7 +11832,7 @@
             <a:pPr marL="0" lvl="1" indent="0">
               <a:buNone/>
             </a:pPr>
-            <a:endParaRPr lang="en-GB" dirty="0">
+            <a:endParaRPr lang="en-GB">
               <a:cs typeface="Calibri"/>
             </a:endParaRPr>
           </a:p>
@@ -11901,7 +11861,7 @@
           <a:p>
             <a:fld id="{F10EDF90-6C91-9C49-9EDC-F791C9CEFB17}" type="datetime1">
               <a:rPr lang="de-DE" smtClean="0"/>
-              <a:t>19.07.22</a:t>
+              <a:t>21.07.2022</a:t>
             </a:fld>
             <a:endParaRPr lang="de-DE"/>
           </a:p>
@@ -11991,7 +11951,7 @@
           <a:lstStyle/>
           <a:p>
             <a:r>
-              <a:rPr lang="en-US" dirty="0"/>
+              <a:rPr lang="en-US"/>
               <a:t>Language, Framework and IDE</a:t>
             </a:r>
           </a:p>
@@ -12139,13 +12099,13 @@
           <a:lstStyle/>
           <a:p>
             <a:r>
-              <a:rPr lang="de-DE" sz="5400" dirty="0"/>
+              <a:rPr lang="de-DE" sz="5400"/>
               <a:t>Libraries</a:t>
             </a:r>
             <a:br>
-              <a:rPr lang="de-DE" dirty="0"/>
+              <a:rPr lang="de-DE"/>
             </a:br>
-            <a:endParaRPr lang="en-GB" dirty="0"/>
+            <a:endParaRPr lang="en-GB"/>
           </a:p>
         </p:txBody>
       </p:sp>
@@ -12171,10 +12131,10 @@
           <a:lstStyle/>
           <a:p>
             <a:r>
-              <a:rPr lang="de-DE" dirty="0"/>
+              <a:rPr lang="de-DE"/>
               <a:t>03</a:t>
             </a:r>
-            <a:endParaRPr lang="en-GB" dirty="0"/>
+            <a:endParaRPr lang="en-GB"/>
           </a:p>
         </p:txBody>
       </p:sp>
@@ -12201,7 +12161,7 @@
           <a:p>
             <a:fld id="{B4F2AB4E-F240-2644-9DF0-3F5E0D661364}" type="datetime1">
               <a:rPr lang="de-DE" smtClean="0"/>
-              <a:t>19.07.22</a:t>
+              <a:t>21.07.2022</a:t>
             </a:fld>
             <a:endParaRPr lang="de-DE"/>
           </a:p>
@@ -12354,7 +12314,7 @@
           <a:p>
             <a:fld id="{F10EDF90-6C91-9C49-9EDC-F791C9CEFB17}" type="datetime1">
               <a:rPr lang="de-DE" smtClean="0"/>
-              <a:t>20.07.22</a:t>
+              <a:t>21.07.2022</a:t>
             </a:fld>
             <a:endParaRPr lang="de-DE"/>
           </a:p>
@@ -12445,43 +12405,43 @@
           </a:bodyPr>
           <a:lstStyle/>
           <a:p>
-            <a:endParaRPr lang="en-IN" sz="2400" dirty="0">
+            <a:endParaRPr lang="en-IN" sz="2400">
               <a:ea typeface="+mn-lt"/>
               <a:cs typeface="+mn-lt"/>
             </a:endParaRPr>
           </a:p>
           <a:p>
             <a:r>
-              <a:rPr lang="en-IN" sz="2400" dirty="0">
+              <a:rPr lang="en-IN" sz="2400">
                 <a:ea typeface="+mn-lt"/>
                 <a:cs typeface="+mn-lt"/>
               </a:rPr>
               <a:t>NumPy library provides specialized data structures, functions, and other tools for numerical computing in Python.</a:t>
             </a:r>
-            <a:endParaRPr lang="en-US" sz="2400" dirty="0">
+            <a:endParaRPr lang="en-US" sz="2400">
               <a:ea typeface="+mn-lt"/>
               <a:cs typeface="+mn-lt"/>
             </a:endParaRPr>
           </a:p>
           <a:p>
-            <a:endParaRPr lang="en-US" sz="2400" dirty="0">
+            <a:endParaRPr lang="en-US" sz="2400">
               <a:cs typeface="Calibri"/>
             </a:endParaRPr>
           </a:p>
           <a:p>
             <a:r>
-              <a:rPr lang="en-IN" sz="2400" dirty="0">
+              <a:rPr lang="en-IN" sz="2400">
                 <a:ea typeface="+mn-lt"/>
                 <a:cs typeface="+mn-lt"/>
               </a:rPr>
               <a:t>In the project, NumPy is used to: </a:t>
             </a:r>
-            <a:endParaRPr lang="en-IN" sz="2400" dirty="0">
+            <a:endParaRPr lang="en-IN" sz="2400">
               <a:cs typeface="Calibri"/>
             </a:endParaRPr>
           </a:p>
           <a:p>
-            <a:endParaRPr lang="en-IN" sz="2400" dirty="0">
+            <a:endParaRPr lang="en-IN" sz="2400">
               <a:ea typeface="+mn-lt"/>
               <a:cs typeface="+mn-lt"/>
             </a:endParaRPr>
@@ -12492,13 +12452,13 @@
               <a:buChar char="o"/>
             </a:pPr>
             <a:r>
-              <a:rPr lang="en-IN" sz="2400" dirty="0">
+              <a:rPr lang="en-IN" sz="2400">
                 <a:ea typeface="+mn-lt"/>
                 <a:cs typeface="+mn-lt"/>
               </a:rPr>
               <a:t>Create array of every image from dataset using ‘array’ function.</a:t>
             </a:r>
-            <a:endParaRPr lang="en-IN" sz="2400" dirty="0">
+            <a:endParaRPr lang="en-IN" sz="2400">
               <a:cs typeface="Calibri"/>
             </a:endParaRPr>
           </a:p>
@@ -12508,27 +12468,27 @@
               <a:buChar char="o"/>
             </a:pPr>
             <a:r>
-              <a:rPr lang="en-IN" sz="2400" dirty="0">
+              <a:rPr lang="en-IN" sz="2400">
                 <a:ea typeface="+mn-lt"/>
                 <a:cs typeface="+mn-lt"/>
               </a:rPr>
               <a:t>Save array data efficiently in a specific file in “NumPy format (.</a:t>
             </a:r>
             <a:r>
-              <a:rPr lang="en-IN" sz="2400" dirty="0" err="1">
+              <a:rPr lang="en-IN" sz="2400" err="1">
                 <a:ea typeface="+mn-lt"/>
                 <a:cs typeface="+mn-lt"/>
               </a:rPr>
               <a:t>npy</a:t>
             </a:r>
             <a:r>
-              <a:rPr lang="en-IN" sz="2400" dirty="0">
+              <a:rPr lang="en-IN" sz="2400">
                 <a:ea typeface="+mn-lt"/>
                 <a:cs typeface="+mn-lt"/>
               </a:rPr>
               <a:t>)” using save() function.</a:t>
             </a:r>
-            <a:endParaRPr lang="en-IN" sz="2400" dirty="0">
+            <a:endParaRPr lang="en-IN" sz="2400">
               <a:cs typeface="Calibri"/>
             </a:endParaRPr>
           </a:p>
@@ -12538,13 +12498,13 @@
               <a:buChar char="o"/>
             </a:pPr>
             <a:r>
-              <a:rPr lang="en-IN" sz="2400" dirty="0">
+              <a:rPr lang="en-IN" sz="2400">
                 <a:ea typeface="+mn-lt"/>
                 <a:cs typeface="+mn-lt"/>
               </a:rPr>
               <a:t>Load saved array data for future use.</a:t>
             </a:r>
-            <a:endParaRPr lang="en-IN" sz="2400" dirty="0">
+            <a:endParaRPr lang="en-IN" sz="2400">
               <a:cs typeface="Calibri" panose="020F0502020204030204"/>
             </a:endParaRPr>
           </a:p>
@@ -12553,7 +12513,7 @@
               <a:buFont typeface="Arial" panose="020B0604020202020204" pitchFamily="34" charset="0"/>
               <a:buChar char="•"/>
             </a:pPr>
-            <a:endParaRPr lang="en-IN" dirty="0">
+            <a:endParaRPr lang="en-IN">
               <a:cs typeface="Calibri"/>
             </a:endParaRPr>
           </a:p>
@@ -12648,7 +12608,7 @@
           <a:p>
             <a:fld id="{F10EDF90-6C91-9C49-9EDC-F791C9CEFB17}" type="datetime1">
               <a:rPr lang="de-DE" smtClean="0"/>
-              <a:t>20.07.22</a:t>
+              <a:t>21.07.2022</a:t>
             </a:fld>
             <a:endParaRPr lang="de-DE"/>
           </a:p>
@@ -12740,36 +12700,36 @@
           <a:lstStyle/>
           <a:p>
             <a:r>
-              <a:rPr lang="en-IN" sz="2400" dirty="0">
+              <a:rPr lang="en-IN" sz="2400">
                 <a:ea typeface="+mn-lt"/>
                 <a:cs typeface="+mn-lt"/>
               </a:rPr>
               <a:t>Pandas is typically used for working in tabular data or in a database table. Pandas provides helper functions to read data form various files.</a:t>
             </a:r>
-            <a:endParaRPr lang="en-US" sz="2400" dirty="0">
+            <a:endParaRPr lang="en-US" sz="2400">
               <a:ea typeface="+mn-lt"/>
               <a:cs typeface="+mn-lt"/>
             </a:endParaRPr>
           </a:p>
           <a:p>
-            <a:endParaRPr lang="en-US" sz="2400" dirty="0">
+            <a:endParaRPr lang="en-US" sz="2400">
               <a:cs typeface="Calibri"/>
             </a:endParaRPr>
           </a:p>
           <a:p>
             <a:r>
-              <a:rPr lang="en-IN" sz="2400" dirty="0">
+              <a:rPr lang="en-IN" sz="2400">
                 <a:ea typeface="+mn-lt"/>
                 <a:cs typeface="+mn-lt"/>
               </a:rPr>
               <a:t>In the project, Pandas is used to: </a:t>
             </a:r>
-            <a:endParaRPr lang="en-IN" sz="2400" dirty="0">
+            <a:endParaRPr lang="en-IN" sz="2400">
               <a:cs typeface="Calibri"/>
             </a:endParaRPr>
           </a:p>
           <a:p>
-            <a:endParaRPr lang="en-IN" sz="2400" dirty="0">
+            <a:endParaRPr lang="en-IN" sz="2400">
               <a:ea typeface="+mn-lt"/>
               <a:cs typeface="+mn-lt"/>
             </a:endParaRPr>
@@ -12780,7 +12740,7 @@
               <a:buChar char="o"/>
             </a:pPr>
             <a:r>
-              <a:rPr lang="en-IN" sz="2400" dirty="0">
+              <a:rPr lang="en-IN" sz="2400">
                 <a:ea typeface="+mn-lt"/>
                 <a:cs typeface="+mn-lt"/>
               </a:rPr>
@@ -12792,7 +12752,7 @@
               <a:buFont typeface="Courier New" panose="020B0604020202020204" pitchFamily="34" charset="0"/>
               <a:buChar char="o"/>
             </a:pPr>
-            <a:endParaRPr lang="en-IN" sz="2400" dirty="0">
+            <a:endParaRPr lang="en-IN" sz="2400">
               <a:cs typeface="Calibri"/>
             </a:endParaRPr>
           </a:p>
@@ -12801,7 +12761,7 @@
               <a:buFont typeface="Arial" panose="020B0604020202020204" pitchFamily="34" charset="0"/>
               <a:buChar char="•"/>
             </a:pPr>
-            <a:endParaRPr lang="en-IN" dirty="0">
+            <a:endParaRPr lang="en-IN">
               <a:ea typeface="+mn-lt"/>
               <a:cs typeface="+mn-lt"/>
             </a:endParaRPr>
